--- a/manuscript/figures/OHC planning.pptx
+++ b/manuscript/figures/OHC planning.pptx
@@ -4269,6 +4269,8 @@
                   <a:solidFill>
                     <a:schemeClr val="tx1"/>
                   </a:solidFill>
+                  <a:latin typeface="Times New Roman" panose="02020603050405020304" pitchFamily="18" charset="0"/>
+                  <a:cs typeface="Times New Roman" panose="02020603050405020304" pitchFamily="18" charset="0"/>
                 </a:rPr>
                 <a:t>Draft</a:t>
               </a:r>
@@ -4277,6 +4279,8 @@
                   <a:solidFill>
                     <a:schemeClr val="tx1"/>
                   </a:solidFill>
+                  <a:latin typeface="Times New Roman" panose="02020603050405020304" pitchFamily="18" charset="0"/>
+                  <a:cs typeface="Times New Roman" panose="02020603050405020304" pitchFamily="18" charset="0"/>
                 </a:rPr>
                 <a:t> </a:t>
               </a:r>
@@ -4285,6 +4289,8 @@
                   <a:solidFill>
                     <a:schemeClr val="tx1"/>
                   </a:solidFill>
+                  <a:latin typeface="Times New Roman" panose="02020603050405020304" pitchFamily="18" charset="0"/>
+                  <a:cs typeface="Times New Roman" panose="02020603050405020304" pitchFamily="18" charset="0"/>
                 </a:rPr>
                 <a:t>of</a:t>
               </a:r>
@@ -4293,6 +4299,8 @@
                   <a:solidFill>
                     <a:schemeClr val="tx1"/>
                   </a:solidFill>
+                  <a:latin typeface="Times New Roman" panose="02020603050405020304" pitchFamily="18" charset="0"/>
+                  <a:cs typeface="Times New Roman" panose="02020603050405020304" pitchFamily="18" charset="0"/>
                 </a:rPr>
                 <a:t> a route design </a:t>
               </a:r>
@@ -4301,6 +4309,8 @@
                   <a:solidFill>
                     <a:schemeClr val="tx1"/>
                   </a:solidFill>
+                  <a:latin typeface="Times New Roman" panose="02020603050405020304" pitchFamily="18" charset="0"/>
+                  <a:cs typeface="Times New Roman" panose="02020603050405020304" pitchFamily="18" charset="0"/>
                 </a:rPr>
                 <a:t>by</a:t>
               </a:r>
@@ -4309,6 +4319,8 @@
                   <a:solidFill>
                     <a:schemeClr val="tx1"/>
                   </a:solidFill>
+                  <a:latin typeface="Times New Roman" panose="02020603050405020304" pitchFamily="18" charset="0"/>
+                  <a:cs typeface="Times New Roman" panose="02020603050405020304" pitchFamily="18" charset="0"/>
                 </a:rPr>
                 <a:t> </a:t>
               </a:r>
@@ -4317,6 +4329,8 @@
                   <a:solidFill>
                     <a:schemeClr val="tx1"/>
                   </a:solidFill>
+                  <a:latin typeface="Times New Roman" panose="02020603050405020304" pitchFamily="18" charset="0"/>
+                  <a:cs typeface="Times New Roman" panose="02020603050405020304" pitchFamily="18" charset="0"/>
                 </a:rPr>
                 <a:t>client</a:t>
               </a:r>
@@ -4325,6 +4339,8 @@
                   <a:solidFill>
                     <a:schemeClr val="tx1"/>
                   </a:solidFill>
+                  <a:latin typeface="Times New Roman" panose="02020603050405020304" pitchFamily="18" charset="0"/>
+                  <a:cs typeface="Times New Roman" panose="02020603050405020304" pitchFamily="18" charset="0"/>
                 </a:rPr>
                 <a:t> </a:t>
               </a:r>
@@ -4333,6 +4349,8 @@
                   <a:solidFill>
                     <a:schemeClr val="tx1"/>
                   </a:solidFill>
+                  <a:latin typeface="Times New Roman" panose="02020603050405020304" pitchFamily="18" charset="0"/>
+                  <a:cs typeface="Times New Roman" panose="02020603050405020304" pitchFamily="18" charset="0"/>
                 </a:rPr>
                 <a:t>company/carrier</a:t>
               </a:r>
@@ -4340,6 +4358,8 @@
                 <a:solidFill>
                   <a:schemeClr val="tx1"/>
                 </a:solidFill>
+                <a:latin typeface="Times New Roman" panose="02020603050405020304" pitchFamily="18" charset="0"/>
+                <a:cs typeface="Times New Roman" panose="02020603050405020304" pitchFamily="18" charset="0"/>
               </a:endParaRPr>
             </a:p>
           </p:txBody>
@@ -4397,6 +4417,8 @@
                   <a:solidFill>
                     <a:schemeClr val="tx1"/>
                   </a:solidFill>
+                  <a:latin typeface="Times New Roman" panose="02020603050405020304" pitchFamily="18" charset="0"/>
+                  <a:cs typeface="Times New Roman" panose="02020603050405020304" pitchFamily="18" charset="0"/>
                 </a:rPr>
                 <a:t>Submit</a:t>
               </a:r>
@@ -4405,6 +4427,8 @@
                   <a:solidFill>
                     <a:schemeClr val="tx1"/>
                   </a:solidFill>
+                  <a:latin typeface="Times New Roman" panose="02020603050405020304" pitchFamily="18" charset="0"/>
+                  <a:cs typeface="Times New Roman" panose="02020603050405020304" pitchFamily="18" charset="0"/>
                 </a:rPr>
                 <a:t> </a:t>
               </a:r>
@@ -4413,6 +4437,8 @@
                   <a:solidFill>
                     <a:schemeClr val="tx1"/>
                   </a:solidFill>
+                  <a:latin typeface="Times New Roman" panose="02020603050405020304" pitchFamily="18" charset="0"/>
+                  <a:cs typeface="Times New Roman" panose="02020603050405020304" pitchFamily="18" charset="0"/>
                 </a:rPr>
                 <a:t>of</a:t>
               </a:r>
@@ -4421,6 +4447,8 @@
                   <a:solidFill>
                     <a:schemeClr val="tx1"/>
                   </a:solidFill>
+                  <a:latin typeface="Times New Roman" panose="02020603050405020304" pitchFamily="18" charset="0"/>
+                  <a:cs typeface="Times New Roman" panose="02020603050405020304" pitchFamily="18" charset="0"/>
                 </a:rPr>
                 <a:t> draft </a:t>
               </a:r>
@@ -4429,6 +4457,8 @@
                   <a:solidFill>
                     <a:schemeClr val="tx1"/>
                   </a:solidFill>
+                  <a:latin typeface="Times New Roman" panose="02020603050405020304" pitchFamily="18" charset="0"/>
+                  <a:cs typeface="Times New Roman" panose="02020603050405020304" pitchFamily="18" charset="0"/>
                 </a:rPr>
                 <a:t>to</a:t>
               </a:r>
@@ -4437,6 +4467,8 @@
                   <a:solidFill>
                     <a:schemeClr val="tx1"/>
                   </a:solidFill>
+                  <a:latin typeface="Times New Roman" panose="02020603050405020304" pitchFamily="18" charset="0"/>
+                  <a:cs typeface="Times New Roman" panose="02020603050405020304" pitchFamily="18" charset="0"/>
                 </a:rPr>
                 <a:t> a </a:t>
               </a:r>
@@ -4445,6 +4477,8 @@
                   <a:solidFill>
                     <a:schemeClr val="tx1"/>
                   </a:solidFill>
+                  <a:latin typeface="Times New Roman" panose="02020603050405020304" pitchFamily="18" charset="0"/>
+                  <a:cs typeface="Times New Roman" panose="02020603050405020304" pitchFamily="18" charset="0"/>
                 </a:rPr>
                 <a:t>responsible</a:t>
               </a:r>
@@ -4453,6 +4487,8 @@
                   <a:solidFill>
                     <a:schemeClr val="tx1"/>
                   </a:solidFill>
+                  <a:latin typeface="Times New Roman" panose="02020603050405020304" pitchFamily="18" charset="0"/>
+                  <a:cs typeface="Times New Roman" panose="02020603050405020304" pitchFamily="18" charset="0"/>
                 </a:rPr>
                 <a:t> </a:t>
               </a:r>
@@ -4461,6 +4497,8 @@
                   <a:solidFill>
                     <a:schemeClr val="tx1"/>
                   </a:solidFill>
+                  <a:latin typeface="Times New Roman" panose="02020603050405020304" pitchFamily="18" charset="0"/>
+                  <a:cs typeface="Times New Roman" panose="02020603050405020304" pitchFamily="18" charset="0"/>
                 </a:rPr>
                 <a:t>authority</a:t>
               </a:r>
@@ -4469,6 +4507,8 @@
                   <a:solidFill>
                     <a:schemeClr val="tx1"/>
                   </a:solidFill>
+                  <a:latin typeface="Times New Roman" panose="02020603050405020304" pitchFamily="18" charset="0"/>
+                  <a:cs typeface="Times New Roman" panose="02020603050405020304" pitchFamily="18" charset="0"/>
                 </a:rPr>
                 <a:t>  </a:t>
               </a:r>
@@ -4476,6 +4516,8 @@
                 <a:solidFill>
                   <a:schemeClr val="tx1"/>
                 </a:solidFill>
+                <a:latin typeface="Times New Roman" panose="02020603050405020304" pitchFamily="18" charset="0"/>
+                <a:cs typeface="Times New Roman" panose="02020603050405020304" pitchFamily="18" charset="0"/>
               </a:endParaRPr>
             </a:p>
           </p:txBody>
@@ -4533,6 +4575,8 @@
                   <a:solidFill>
                     <a:schemeClr val="tx1"/>
                   </a:solidFill>
+                  <a:latin typeface="Times New Roman" panose="02020603050405020304" pitchFamily="18" charset="0"/>
+                  <a:cs typeface="Times New Roman" panose="02020603050405020304" pitchFamily="18" charset="0"/>
                 </a:rPr>
                 <a:t>Check </a:t>
               </a:r>
@@ -4541,6 +4585,8 @@
                   <a:solidFill>
                     <a:schemeClr val="tx1"/>
                   </a:solidFill>
+                  <a:latin typeface="Times New Roman" panose="02020603050405020304" pitchFamily="18" charset="0"/>
+                  <a:cs typeface="Times New Roman" panose="02020603050405020304" pitchFamily="18" charset="0"/>
                 </a:rPr>
                 <a:t>of</a:t>
               </a:r>
@@ -4549,6 +4595,8 @@
                   <a:solidFill>
                     <a:schemeClr val="tx1"/>
                   </a:solidFill>
+                  <a:latin typeface="Times New Roman" panose="02020603050405020304" pitchFamily="18" charset="0"/>
+                  <a:cs typeface="Times New Roman" panose="02020603050405020304" pitchFamily="18" charset="0"/>
                 </a:rPr>
                 <a:t> </a:t>
               </a:r>
@@ -4557,6 +4605,8 @@
                   <a:solidFill>
                     <a:schemeClr val="tx1"/>
                   </a:solidFill>
+                  <a:latin typeface="Times New Roman" panose="02020603050405020304" pitchFamily="18" charset="0"/>
+                  <a:cs typeface="Times New Roman" panose="02020603050405020304" pitchFamily="18" charset="0"/>
                 </a:rPr>
                 <a:t>the</a:t>
               </a:r>
@@ -4565,6 +4615,8 @@
                   <a:solidFill>
                     <a:schemeClr val="tx1"/>
                   </a:solidFill>
+                  <a:latin typeface="Times New Roman" panose="02020603050405020304" pitchFamily="18" charset="0"/>
+                  <a:cs typeface="Times New Roman" panose="02020603050405020304" pitchFamily="18" charset="0"/>
                 </a:rPr>
                 <a:t> draft route </a:t>
               </a:r>
@@ -4573,6 +4625,8 @@
                   <a:solidFill>
                     <a:schemeClr val="tx1"/>
                   </a:solidFill>
+                  <a:latin typeface="Times New Roman" panose="02020603050405020304" pitchFamily="18" charset="0"/>
+                  <a:cs typeface="Times New Roman" panose="02020603050405020304" pitchFamily="18" charset="0"/>
                 </a:rPr>
                 <a:t>by</a:t>
               </a:r>
@@ -4581,6 +4635,8 @@
                   <a:solidFill>
                     <a:schemeClr val="tx1"/>
                   </a:solidFill>
+                  <a:latin typeface="Times New Roman" panose="02020603050405020304" pitchFamily="18" charset="0"/>
+                  <a:cs typeface="Times New Roman" panose="02020603050405020304" pitchFamily="18" charset="0"/>
                 </a:rPr>
                 <a:t> </a:t>
               </a:r>
@@ -4589,6 +4645,8 @@
                   <a:solidFill>
                     <a:schemeClr val="tx1"/>
                   </a:solidFill>
+                  <a:latin typeface="Times New Roman" panose="02020603050405020304" pitchFamily="18" charset="0"/>
+                  <a:cs typeface="Times New Roman" panose="02020603050405020304" pitchFamily="18" charset="0"/>
                 </a:rPr>
                 <a:t>civil</a:t>
               </a:r>
@@ -4597,6 +4655,8 @@
                   <a:solidFill>
                     <a:schemeClr val="tx1"/>
                   </a:solidFill>
+                  <a:latin typeface="Times New Roman" panose="02020603050405020304" pitchFamily="18" charset="0"/>
+                  <a:cs typeface="Times New Roman" panose="02020603050405020304" pitchFamily="18" charset="0"/>
                 </a:rPr>
                 <a:t> </a:t>
               </a:r>
@@ -4605,6 +4665,8 @@
                   <a:solidFill>
                     <a:schemeClr val="tx1"/>
                   </a:solidFill>
+                  <a:latin typeface="Times New Roman" panose="02020603050405020304" pitchFamily="18" charset="0"/>
+                  <a:cs typeface="Times New Roman" panose="02020603050405020304" pitchFamily="18" charset="0"/>
                 </a:rPr>
                 <a:t>engineer</a:t>
               </a:r>
@@ -4613,6 +4675,8 @@
                   <a:solidFill>
                     <a:schemeClr val="tx1"/>
                   </a:solidFill>
+                  <a:latin typeface="Times New Roman" panose="02020603050405020304" pitchFamily="18" charset="0"/>
+                  <a:cs typeface="Times New Roman" panose="02020603050405020304" pitchFamily="18" charset="0"/>
                 </a:rPr>
                 <a:t> </a:t>
               </a:r>
@@ -4620,6 +4684,8 @@
                 <a:solidFill>
                   <a:schemeClr val="tx1"/>
                 </a:solidFill>
+                <a:latin typeface="Times New Roman" panose="02020603050405020304" pitchFamily="18" charset="0"/>
+                <a:cs typeface="Times New Roman" panose="02020603050405020304" pitchFamily="18" charset="0"/>
               </a:endParaRPr>
             </a:p>
           </p:txBody>
@@ -4677,6 +4743,8 @@
                   <a:solidFill>
                     <a:schemeClr val="tx1"/>
                   </a:solidFill>
+                  <a:latin typeface="Times New Roman" panose="02020603050405020304" pitchFamily="18" charset="0"/>
+                  <a:cs typeface="Times New Roman" panose="02020603050405020304" pitchFamily="18" charset="0"/>
                 </a:rPr>
                 <a:t>Statical</a:t>
               </a:r>
@@ -4685,6 +4753,8 @@
                   <a:solidFill>
                     <a:schemeClr val="tx1"/>
                   </a:solidFill>
+                  <a:latin typeface="Times New Roman" panose="02020603050405020304" pitchFamily="18" charset="0"/>
+                  <a:cs typeface="Times New Roman" panose="02020603050405020304" pitchFamily="18" charset="0"/>
                 </a:rPr>
                 <a:t> </a:t>
               </a:r>
@@ -4693,6 +4763,8 @@
                   <a:solidFill>
                     <a:schemeClr val="tx1"/>
                   </a:solidFill>
+                  <a:latin typeface="Times New Roman" panose="02020603050405020304" pitchFamily="18" charset="0"/>
+                  <a:cs typeface="Times New Roman" panose="02020603050405020304" pitchFamily="18" charset="0"/>
                 </a:rPr>
                 <a:t>calculations</a:t>
               </a:r>
@@ -4700,6 +4772,8 @@
                 <a:solidFill>
                   <a:schemeClr val="tx1"/>
                 </a:solidFill>
+                <a:latin typeface="Times New Roman" panose="02020603050405020304" pitchFamily="18" charset="0"/>
+                <a:cs typeface="Times New Roman" panose="02020603050405020304" pitchFamily="18" charset="0"/>
               </a:endParaRPr>
             </a:p>
           </p:txBody>
@@ -4757,6 +4831,8 @@
                   <a:solidFill>
                     <a:schemeClr val="tx1"/>
                   </a:solidFill>
+                  <a:latin typeface="Times New Roman" panose="02020603050405020304" pitchFamily="18" charset="0"/>
+                  <a:cs typeface="Times New Roman" panose="02020603050405020304" pitchFamily="18" charset="0"/>
                 </a:rPr>
                 <a:t>On-site </a:t>
               </a:r>
@@ -4765,6 +4841,8 @@
                   <a:solidFill>
                     <a:schemeClr val="tx1"/>
                   </a:solidFill>
+                  <a:latin typeface="Times New Roman" panose="02020603050405020304" pitchFamily="18" charset="0"/>
+                  <a:cs typeface="Times New Roman" panose="02020603050405020304" pitchFamily="18" charset="0"/>
                 </a:rPr>
                 <a:t>visits</a:t>
               </a:r>
@@ -4772,6 +4850,8 @@
                 <a:solidFill>
                   <a:schemeClr val="tx1"/>
                 </a:solidFill>
+                <a:latin typeface="Times New Roman" panose="02020603050405020304" pitchFamily="18" charset="0"/>
+                <a:cs typeface="Times New Roman" panose="02020603050405020304" pitchFamily="18" charset="0"/>
               </a:endParaRPr>
             </a:p>
           </p:txBody>
@@ -4829,6 +4909,8 @@
                   <a:solidFill>
                     <a:schemeClr val="tx1"/>
                   </a:solidFill>
+                  <a:latin typeface="Times New Roman" panose="02020603050405020304" pitchFamily="18" charset="0"/>
+                  <a:cs typeface="Times New Roman" panose="02020603050405020304" pitchFamily="18" charset="0"/>
                 </a:rPr>
                 <a:t>Route</a:t>
               </a:r>
@@ -4840,6 +4922,8 @@
                   <a:solidFill>
                     <a:schemeClr val="tx1"/>
                   </a:solidFill>
+                  <a:latin typeface="Times New Roman" panose="02020603050405020304" pitchFamily="18" charset="0"/>
+                  <a:cs typeface="Times New Roman" panose="02020603050405020304" pitchFamily="18" charset="0"/>
                 </a:rPr>
                 <a:t>feasable</a:t>
               </a:r>
@@ -4848,6 +4932,8 @@
                   <a:solidFill>
                     <a:schemeClr val="tx1"/>
                   </a:solidFill>
+                  <a:latin typeface="Times New Roman" panose="02020603050405020304" pitchFamily="18" charset="0"/>
+                  <a:cs typeface="Times New Roman" panose="02020603050405020304" pitchFamily="18" charset="0"/>
                 </a:rPr>
                 <a:t>?</a:t>
               </a:r>
@@ -4855,6 +4941,8 @@
                 <a:solidFill>
                   <a:schemeClr val="tx1"/>
                 </a:solidFill>
+                <a:latin typeface="Times New Roman" panose="02020603050405020304" pitchFamily="18" charset="0"/>
+                <a:cs typeface="Times New Roman" panose="02020603050405020304" pitchFamily="18" charset="0"/>
               </a:endParaRPr>
             </a:p>
           </p:txBody>
@@ -4912,6 +5000,8 @@
                   <a:solidFill>
                     <a:schemeClr val="tx1"/>
                   </a:solidFill>
+                  <a:latin typeface="Times New Roman" panose="02020603050405020304" pitchFamily="18" charset="0"/>
+                  <a:cs typeface="Times New Roman" panose="02020603050405020304" pitchFamily="18" charset="0"/>
                 </a:rPr>
                 <a:t>Client </a:t>
               </a:r>
@@ -4920,6 +5010,8 @@
                   <a:solidFill>
                     <a:schemeClr val="tx1"/>
                   </a:solidFill>
+                  <a:latin typeface="Times New Roman" panose="02020603050405020304" pitchFamily="18" charset="0"/>
+                  <a:cs typeface="Times New Roman" panose="02020603050405020304" pitchFamily="18" charset="0"/>
                 </a:rPr>
                 <a:t>company</a:t>
               </a:r>
@@ -4928,6 +5020,8 @@
                   <a:solidFill>
                     <a:schemeClr val="tx1"/>
                   </a:solidFill>
+                  <a:latin typeface="Times New Roman" panose="02020603050405020304" pitchFamily="18" charset="0"/>
+                  <a:cs typeface="Times New Roman" panose="02020603050405020304" pitchFamily="18" charset="0"/>
                 </a:rPr>
                 <a:t>/</a:t>
               </a:r>
@@ -4936,6 +5030,8 @@
                   <a:solidFill>
                     <a:schemeClr val="tx1"/>
                   </a:solidFill>
+                  <a:latin typeface="Times New Roman" panose="02020603050405020304" pitchFamily="18" charset="0"/>
+                  <a:cs typeface="Times New Roman" panose="02020603050405020304" pitchFamily="18" charset="0"/>
                 </a:rPr>
                 <a:t>carrier</a:t>
               </a:r>
@@ -4944,6 +5040,8 @@
                   <a:solidFill>
                     <a:schemeClr val="tx1"/>
                   </a:solidFill>
+                  <a:latin typeface="Times New Roman" panose="02020603050405020304" pitchFamily="18" charset="0"/>
+                  <a:cs typeface="Times New Roman" panose="02020603050405020304" pitchFamily="18" charset="0"/>
                 </a:rPr>
                 <a:t> </a:t>
               </a:r>
@@ -4952,6 +5050,8 @@
                   <a:solidFill>
                     <a:schemeClr val="tx1"/>
                   </a:solidFill>
+                  <a:latin typeface="Times New Roman" panose="02020603050405020304" pitchFamily="18" charset="0"/>
+                  <a:cs typeface="Times New Roman" panose="02020603050405020304" pitchFamily="18" charset="0"/>
                 </a:rPr>
                 <a:t>receives</a:t>
               </a:r>
@@ -4960,6 +5060,8 @@
                   <a:solidFill>
                     <a:schemeClr val="tx1"/>
                   </a:solidFill>
+                  <a:latin typeface="Times New Roman" panose="02020603050405020304" pitchFamily="18" charset="0"/>
+                  <a:cs typeface="Times New Roman" panose="02020603050405020304" pitchFamily="18" charset="0"/>
                 </a:rPr>
                 <a:t> route </a:t>
               </a:r>
@@ -4968,6 +5070,8 @@
                   <a:solidFill>
                     <a:schemeClr val="tx1"/>
                   </a:solidFill>
+                  <a:latin typeface="Times New Roman" panose="02020603050405020304" pitchFamily="18" charset="0"/>
+                  <a:cs typeface="Times New Roman" panose="02020603050405020304" pitchFamily="18" charset="0"/>
                 </a:rPr>
                 <a:t>approval</a:t>
               </a:r>
@@ -4976,6 +5080,8 @@
                   <a:solidFill>
                     <a:schemeClr val="tx1"/>
                   </a:solidFill>
+                  <a:latin typeface="Times New Roman" panose="02020603050405020304" pitchFamily="18" charset="0"/>
+                  <a:cs typeface="Times New Roman" panose="02020603050405020304" pitchFamily="18" charset="0"/>
                 </a:rPr>
                 <a:t> </a:t>
               </a:r>
@@ -4983,6 +5089,8 @@
                 <a:solidFill>
                   <a:schemeClr val="tx1"/>
                 </a:solidFill>
+                <a:latin typeface="Times New Roman" panose="02020603050405020304" pitchFamily="18" charset="0"/>
+                <a:cs typeface="Times New Roman" panose="02020603050405020304" pitchFamily="18" charset="0"/>
               </a:endParaRPr>
             </a:p>
           </p:txBody>
@@ -5270,10 +5378,16 @@
             <a:lstStyle/>
             <a:p>
               <a:r>
-                <a:rPr lang="de-AT" sz="1000" dirty="0" err="1" smtClean="0"/>
+                <a:rPr lang="de-AT" sz="1000" dirty="0" err="1" smtClean="0">
+                  <a:latin typeface="Times New Roman" panose="02020603050405020304" pitchFamily="18" charset="0"/>
+                  <a:cs typeface="Times New Roman" panose="02020603050405020304" pitchFamily="18" charset="0"/>
+                </a:rPr>
                 <a:t>yes</a:t>
               </a:r>
-              <a:endParaRPr lang="de-AT" dirty="0"/>
+              <a:endParaRPr lang="de-AT" dirty="0">
+                <a:latin typeface="Times New Roman" panose="02020603050405020304" pitchFamily="18" charset="0"/>
+                <a:cs typeface="Times New Roman" panose="02020603050405020304" pitchFamily="18" charset="0"/>
+              </a:endParaRPr>
             </a:p>
           </p:txBody>
         </p:sp>
@@ -5338,10 +5452,16 @@
             <a:lstStyle/>
             <a:p>
               <a:r>
-                <a:rPr lang="de-AT" sz="1000" dirty="0" err="1" smtClean="0"/>
+                <a:rPr lang="de-AT" sz="1000" dirty="0" err="1" smtClean="0">
+                  <a:latin typeface="Times New Roman" panose="02020603050405020304" pitchFamily="18" charset="0"/>
+                  <a:cs typeface="Times New Roman" panose="02020603050405020304" pitchFamily="18" charset="0"/>
+                </a:rPr>
                 <a:t>no</a:t>
               </a:r>
-              <a:endParaRPr lang="de-AT" dirty="0"/>
+              <a:endParaRPr lang="de-AT" dirty="0">
+                <a:latin typeface="Times New Roman" panose="02020603050405020304" pitchFamily="18" charset="0"/>
+                <a:cs typeface="Times New Roman" panose="02020603050405020304" pitchFamily="18" charset="0"/>
+              </a:endParaRPr>
             </a:p>
           </p:txBody>
         </p:sp>
